--- a/ppt 16-9/0894.我们是最幸福的.pptx
+++ b/ppt 16-9/0894.我们是最幸福的.pptx
@@ -129,7 +129,7 @@
           <p:cNvPr id="2" name="标题 1">
             <a:extLst>
               <a:ext uri="{FF2B5EF4-FFF2-40B4-BE49-F238E27FC236}">
-                <a16:creationId xmlns:a16="http://schemas.microsoft.com/office/drawing/2014/main" id="{294B68DA-3E76-6AE9-DC10-88A391D74BBA}"/>
+                <a16:creationId xmlns:a16="http://schemas.microsoft.com/office/drawing/2014/main" id="{A48768E2-E237-F5A9-8151-F9F49D22008C}"/>
               </a:ext>
             </a:extLst>
           </p:cNvPr>
@@ -166,7 +166,7 @@
           <p:cNvPr id="3" name="副标题 2">
             <a:extLst>
               <a:ext uri="{FF2B5EF4-FFF2-40B4-BE49-F238E27FC236}">
-                <a16:creationId xmlns:a16="http://schemas.microsoft.com/office/drawing/2014/main" id="{F4B3A860-0C80-391D-2FCB-277AC73366C2}"/>
+                <a16:creationId xmlns:a16="http://schemas.microsoft.com/office/drawing/2014/main" id="{EF6FAF1B-8538-9631-A65C-1C0C2C31FA84}"/>
               </a:ext>
             </a:extLst>
           </p:cNvPr>
@@ -236,7 +236,7 @@
           <p:cNvPr id="4" name="日期占位符 3">
             <a:extLst>
               <a:ext uri="{FF2B5EF4-FFF2-40B4-BE49-F238E27FC236}">
-                <a16:creationId xmlns:a16="http://schemas.microsoft.com/office/drawing/2014/main" id="{857E63E5-4FCE-B95D-8198-293B8D568893}"/>
+                <a16:creationId xmlns:a16="http://schemas.microsoft.com/office/drawing/2014/main" id="{2541EF55-A186-F454-180D-108722BA1B1C}"/>
               </a:ext>
             </a:extLst>
           </p:cNvPr>
@@ -252,7 +252,7 @@
           <a:bodyPr/>
           <a:lstStyle/>
           <a:p>
-            <a:fld id="{4F7C34DF-A2DE-424E-B9AE-DB6AE4D467FA}" type="datetimeFigureOut">
+            <a:fld id="{72110433-8B89-4A40-99F1-A438605991A8}" type="datetimeFigureOut">
               <a:rPr lang="zh-CN" altLang="en-US" smtClean="0"/>
               <a:t>2024/3/10</a:t>
             </a:fld>
@@ -265,7 +265,7 @@
           <p:cNvPr id="5" name="页脚占位符 4">
             <a:extLst>
               <a:ext uri="{FF2B5EF4-FFF2-40B4-BE49-F238E27FC236}">
-                <a16:creationId xmlns:a16="http://schemas.microsoft.com/office/drawing/2014/main" id="{9D14746A-8D92-091D-6B5A-97FD381D350E}"/>
+                <a16:creationId xmlns:a16="http://schemas.microsoft.com/office/drawing/2014/main" id="{DE1888EC-D913-4A6E-BF18-0A3DB15E45BA}"/>
               </a:ext>
             </a:extLst>
           </p:cNvPr>
@@ -290,7 +290,7 @@
           <p:cNvPr id="6" name="灯片编号占位符 5">
             <a:extLst>
               <a:ext uri="{FF2B5EF4-FFF2-40B4-BE49-F238E27FC236}">
-                <a16:creationId xmlns:a16="http://schemas.microsoft.com/office/drawing/2014/main" id="{A7F07F09-47ED-7972-D4E1-884DA940CF2F}"/>
+                <a16:creationId xmlns:a16="http://schemas.microsoft.com/office/drawing/2014/main" id="{3FF0011D-0E85-80D0-344D-671B1EE37320}"/>
               </a:ext>
             </a:extLst>
           </p:cNvPr>
@@ -306,7 +306,7 @@
           <a:bodyPr/>
           <a:lstStyle/>
           <a:p>
-            <a:fld id="{F0F4B18F-9147-46B9-9AD4-D0D2A5EE284A}" type="slidenum">
+            <a:fld id="{0E3C98DC-A7AF-41B1-93F4-264F3C4D790B}" type="slidenum">
               <a:rPr lang="zh-CN" altLang="en-US" smtClean="0"/>
               <a:t>‹#›</a:t>
             </a:fld>
@@ -317,7 +317,7 @@
     </p:spTree>
     <p:extLst>
       <p:ext uri="{BB962C8B-B14F-4D97-AF65-F5344CB8AC3E}">
-        <p14:creationId xmlns:p14="http://schemas.microsoft.com/office/powerpoint/2010/main" val="823203452"/>
+        <p14:creationId xmlns:p14="http://schemas.microsoft.com/office/powerpoint/2010/main" val="1256819266"/>
       </p:ext>
     </p:extLst>
   </p:cSld>
@@ -349,7 +349,7 @@
           <p:cNvPr id="2" name="标题 1">
             <a:extLst>
               <a:ext uri="{FF2B5EF4-FFF2-40B4-BE49-F238E27FC236}">
-                <a16:creationId xmlns:a16="http://schemas.microsoft.com/office/drawing/2014/main" id="{3F56C044-BC5E-3B99-DB0F-54953E1C9830}"/>
+                <a16:creationId xmlns:a16="http://schemas.microsoft.com/office/drawing/2014/main" id="{4193D5DB-875A-DD0D-0B91-A799FB37A4EA}"/>
               </a:ext>
             </a:extLst>
           </p:cNvPr>
@@ -377,7 +377,7 @@
           <p:cNvPr id="3" name="竖排文字占位符 2">
             <a:extLst>
               <a:ext uri="{FF2B5EF4-FFF2-40B4-BE49-F238E27FC236}">
-                <a16:creationId xmlns:a16="http://schemas.microsoft.com/office/drawing/2014/main" id="{6CDB9EAE-BF6F-9171-416F-DAED58C2D343}"/>
+                <a16:creationId xmlns:a16="http://schemas.microsoft.com/office/drawing/2014/main" id="{23FC7FBE-02F9-18C0-BF49-41E3A294730E}"/>
               </a:ext>
             </a:extLst>
           </p:cNvPr>
@@ -434,7 +434,7 @@
           <p:cNvPr id="4" name="日期占位符 3">
             <a:extLst>
               <a:ext uri="{FF2B5EF4-FFF2-40B4-BE49-F238E27FC236}">
-                <a16:creationId xmlns:a16="http://schemas.microsoft.com/office/drawing/2014/main" id="{21F9FADD-3254-C354-37AE-1F3BE18119B9}"/>
+                <a16:creationId xmlns:a16="http://schemas.microsoft.com/office/drawing/2014/main" id="{538C6394-EABB-BC46-FB56-3B2C9F19379B}"/>
               </a:ext>
             </a:extLst>
           </p:cNvPr>
@@ -450,7 +450,7 @@
           <a:bodyPr/>
           <a:lstStyle/>
           <a:p>
-            <a:fld id="{4F7C34DF-A2DE-424E-B9AE-DB6AE4D467FA}" type="datetimeFigureOut">
+            <a:fld id="{72110433-8B89-4A40-99F1-A438605991A8}" type="datetimeFigureOut">
               <a:rPr lang="zh-CN" altLang="en-US" smtClean="0"/>
               <a:t>2024/3/10</a:t>
             </a:fld>
@@ -463,7 +463,7 @@
           <p:cNvPr id="5" name="页脚占位符 4">
             <a:extLst>
               <a:ext uri="{FF2B5EF4-FFF2-40B4-BE49-F238E27FC236}">
-                <a16:creationId xmlns:a16="http://schemas.microsoft.com/office/drawing/2014/main" id="{5F760106-77C7-F0F8-14C5-408E36CA6102}"/>
+                <a16:creationId xmlns:a16="http://schemas.microsoft.com/office/drawing/2014/main" id="{1EBA3FA5-17A3-F72A-2180-BF79B607E62E}"/>
               </a:ext>
             </a:extLst>
           </p:cNvPr>
@@ -488,7 +488,7 @@
           <p:cNvPr id="6" name="灯片编号占位符 5">
             <a:extLst>
               <a:ext uri="{FF2B5EF4-FFF2-40B4-BE49-F238E27FC236}">
-                <a16:creationId xmlns:a16="http://schemas.microsoft.com/office/drawing/2014/main" id="{7ED5E2DA-76A3-9ED8-0190-BE1065D423CB}"/>
+                <a16:creationId xmlns:a16="http://schemas.microsoft.com/office/drawing/2014/main" id="{55881735-EDE3-7968-50BD-844DBE8B0B5D}"/>
               </a:ext>
             </a:extLst>
           </p:cNvPr>
@@ -504,7 +504,7 @@
           <a:bodyPr/>
           <a:lstStyle/>
           <a:p>
-            <a:fld id="{F0F4B18F-9147-46B9-9AD4-D0D2A5EE284A}" type="slidenum">
+            <a:fld id="{0E3C98DC-A7AF-41B1-93F4-264F3C4D790B}" type="slidenum">
               <a:rPr lang="zh-CN" altLang="en-US" smtClean="0"/>
               <a:t>‹#›</a:t>
             </a:fld>
@@ -515,7 +515,7 @@
     </p:spTree>
     <p:extLst>
       <p:ext uri="{BB962C8B-B14F-4D97-AF65-F5344CB8AC3E}">
-        <p14:creationId xmlns:p14="http://schemas.microsoft.com/office/powerpoint/2010/main" val="3936010495"/>
+        <p14:creationId xmlns:p14="http://schemas.microsoft.com/office/powerpoint/2010/main" val="1880301055"/>
       </p:ext>
     </p:extLst>
   </p:cSld>
@@ -547,7 +547,7 @@
           <p:cNvPr id="2" name="竖排标题 1">
             <a:extLst>
               <a:ext uri="{FF2B5EF4-FFF2-40B4-BE49-F238E27FC236}">
-                <a16:creationId xmlns:a16="http://schemas.microsoft.com/office/drawing/2014/main" id="{F181F500-754D-4D87-2E39-1330AD728FEF}"/>
+                <a16:creationId xmlns:a16="http://schemas.microsoft.com/office/drawing/2014/main" id="{E8905F3B-8D6D-803A-F3F1-C4C1C315B0DE}"/>
               </a:ext>
             </a:extLst>
           </p:cNvPr>
@@ -580,7 +580,7 @@
           <p:cNvPr id="3" name="竖排文字占位符 2">
             <a:extLst>
               <a:ext uri="{FF2B5EF4-FFF2-40B4-BE49-F238E27FC236}">
-                <a16:creationId xmlns:a16="http://schemas.microsoft.com/office/drawing/2014/main" id="{BF1111B2-D683-549D-14ED-D52F6DD66F3B}"/>
+                <a16:creationId xmlns:a16="http://schemas.microsoft.com/office/drawing/2014/main" id="{7C67CCD1-0380-1AA9-582A-ED210E67191A}"/>
               </a:ext>
             </a:extLst>
           </p:cNvPr>
@@ -642,7 +642,7 @@
           <p:cNvPr id="4" name="日期占位符 3">
             <a:extLst>
               <a:ext uri="{FF2B5EF4-FFF2-40B4-BE49-F238E27FC236}">
-                <a16:creationId xmlns:a16="http://schemas.microsoft.com/office/drawing/2014/main" id="{09A8E7F3-7A10-3B58-B049-96A8E450E41F}"/>
+                <a16:creationId xmlns:a16="http://schemas.microsoft.com/office/drawing/2014/main" id="{14762434-CEBE-5E83-705F-3340E27A960E}"/>
               </a:ext>
             </a:extLst>
           </p:cNvPr>
@@ -658,7 +658,7 @@
           <a:bodyPr/>
           <a:lstStyle/>
           <a:p>
-            <a:fld id="{4F7C34DF-A2DE-424E-B9AE-DB6AE4D467FA}" type="datetimeFigureOut">
+            <a:fld id="{72110433-8B89-4A40-99F1-A438605991A8}" type="datetimeFigureOut">
               <a:rPr lang="zh-CN" altLang="en-US" smtClean="0"/>
               <a:t>2024/3/10</a:t>
             </a:fld>
@@ -671,7 +671,7 @@
           <p:cNvPr id="5" name="页脚占位符 4">
             <a:extLst>
               <a:ext uri="{FF2B5EF4-FFF2-40B4-BE49-F238E27FC236}">
-                <a16:creationId xmlns:a16="http://schemas.microsoft.com/office/drawing/2014/main" id="{46877679-DF78-6646-736B-720CDD8C31C4}"/>
+                <a16:creationId xmlns:a16="http://schemas.microsoft.com/office/drawing/2014/main" id="{C50DC11C-441C-C276-D56B-2EC84151C1CC}"/>
               </a:ext>
             </a:extLst>
           </p:cNvPr>
@@ -696,7 +696,7 @@
           <p:cNvPr id="6" name="灯片编号占位符 5">
             <a:extLst>
               <a:ext uri="{FF2B5EF4-FFF2-40B4-BE49-F238E27FC236}">
-                <a16:creationId xmlns:a16="http://schemas.microsoft.com/office/drawing/2014/main" id="{3C5C0604-EC90-8AC3-9F5C-1B891467797B}"/>
+                <a16:creationId xmlns:a16="http://schemas.microsoft.com/office/drawing/2014/main" id="{D9303AC6-801C-3E25-C9C0-1D64817C1104}"/>
               </a:ext>
             </a:extLst>
           </p:cNvPr>
@@ -712,7 +712,7 @@
           <a:bodyPr/>
           <a:lstStyle/>
           <a:p>
-            <a:fld id="{F0F4B18F-9147-46B9-9AD4-D0D2A5EE284A}" type="slidenum">
+            <a:fld id="{0E3C98DC-A7AF-41B1-93F4-264F3C4D790B}" type="slidenum">
               <a:rPr lang="zh-CN" altLang="en-US" smtClean="0"/>
               <a:t>‹#›</a:t>
             </a:fld>
@@ -723,7 +723,7 @@
     </p:spTree>
     <p:extLst>
       <p:ext uri="{BB962C8B-B14F-4D97-AF65-F5344CB8AC3E}">
-        <p14:creationId xmlns:p14="http://schemas.microsoft.com/office/powerpoint/2010/main" val="4072926820"/>
+        <p14:creationId xmlns:p14="http://schemas.microsoft.com/office/powerpoint/2010/main" val="2718643955"/>
       </p:ext>
     </p:extLst>
   </p:cSld>
@@ -755,7 +755,7 @@
           <p:cNvPr id="2" name="标题 1">
             <a:extLst>
               <a:ext uri="{FF2B5EF4-FFF2-40B4-BE49-F238E27FC236}">
-                <a16:creationId xmlns:a16="http://schemas.microsoft.com/office/drawing/2014/main" id="{F0F72D45-C945-6D44-239B-A8A61BC83553}"/>
+                <a16:creationId xmlns:a16="http://schemas.microsoft.com/office/drawing/2014/main" id="{7A3595B0-6294-B31E-FEC8-799BB14617D4}"/>
               </a:ext>
             </a:extLst>
           </p:cNvPr>
@@ -783,7 +783,7 @@
           <p:cNvPr id="3" name="内容占位符 2">
             <a:extLst>
               <a:ext uri="{FF2B5EF4-FFF2-40B4-BE49-F238E27FC236}">
-                <a16:creationId xmlns:a16="http://schemas.microsoft.com/office/drawing/2014/main" id="{8B3300C8-F8A7-2BB4-39C4-DBF806925A32}"/>
+                <a16:creationId xmlns:a16="http://schemas.microsoft.com/office/drawing/2014/main" id="{8A3BC177-D500-B69B-B32F-8D4D8E7F6FCE}"/>
               </a:ext>
             </a:extLst>
           </p:cNvPr>
@@ -840,7 +840,7 @@
           <p:cNvPr id="4" name="日期占位符 3">
             <a:extLst>
               <a:ext uri="{FF2B5EF4-FFF2-40B4-BE49-F238E27FC236}">
-                <a16:creationId xmlns:a16="http://schemas.microsoft.com/office/drawing/2014/main" id="{A457E63A-062A-58E5-9E19-599F49F727A4}"/>
+                <a16:creationId xmlns:a16="http://schemas.microsoft.com/office/drawing/2014/main" id="{CF08A69F-142B-A2FE-5B8E-369882D1C157}"/>
               </a:ext>
             </a:extLst>
           </p:cNvPr>
@@ -856,7 +856,7 @@
           <a:bodyPr/>
           <a:lstStyle/>
           <a:p>
-            <a:fld id="{4F7C34DF-A2DE-424E-B9AE-DB6AE4D467FA}" type="datetimeFigureOut">
+            <a:fld id="{72110433-8B89-4A40-99F1-A438605991A8}" type="datetimeFigureOut">
               <a:rPr lang="zh-CN" altLang="en-US" smtClean="0"/>
               <a:t>2024/3/10</a:t>
             </a:fld>
@@ -869,7 +869,7 @@
           <p:cNvPr id="5" name="页脚占位符 4">
             <a:extLst>
               <a:ext uri="{FF2B5EF4-FFF2-40B4-BE49-F238E27FC236}">
-                <a16:creationId xmlns:a16="http://schemas.microsoft.com/office/drawing/2014/main" id="{4EF862BF-F6C4-7F6B-B2B9-5E05A93ECE06}"/>
+                <a16:creationId xmlns:a16="http://schemas.microsoft.com/office/drawing/2014/main" id="{149DF468-46BA-F5D7-448E-9A1A2BFA51D3}"/>
               </a:ext>
             </a:extLst>
           </p:cNvPr>
@@ -894,7 +894,7 @@
           <p:cNvPr id="6" name="灯片编号占位符 5">
             <a:extLst>
               <a:ext uri="{FF2B5EF4-FFF2-40B4-BE49-F238E27FC236}">
-                <a16:creationId xmlns:a16="http://schemas.microsoft.com/office/drawing/2014/main" id="{BD0CD4A7-2242-9E4D-70C2-24B27380F8BC}"/>
+                <a16:creationId xmlns:a16="http://schemas.microsoft.com/office/drawing/2014/main" id="{AB1F2994-6A0F-A783-4B9E-BF8B29C8D3C1}"/>
               </a:ext>
             </a:extLst>
           </p:cNvPr>
@@ -910,7 +910,7 @@
           <a:bodyPr/>
           <a:lstStyle/>
           <a:p>
-            <a:fld id="{F0F4B18F-9147-46B9-9AD4-D0D2A5EE284A}" type="slidenum">
+            <a:fld id="{0E3C98DC-A7AF-41B1-93F4-264F3C4D790B}" type="slidenum">
               <a:rPr lang="zh-CN" altLang="en-US" smtClean="0"/>
               <a:t>‹#›</a:t>
             </a:fld>
@@ -921,7 +921,7 @@
     </p:spTree>
     <p:extLst>
       <p:ext uri="{BB962C8B-B14F-4D97-AF65-F5344CB8AC3E}">
-        <p14:creationId xmlns:p14="http://schemas.microsoft.com/office/powerpoint/2010/main" val="2422361754"/>
+        <p14:creationId xmlns:p14="http://schemas.microsoft.com/office/powerpoint/2010/main" val="2394184802"/>
       </p:ext>
     </p:extLst>
   </p:cSld>
@@ -953,7 +953,7 @@
           <p:cNvPr id="2" name="标题 1">
             <a:extLst>
               <a:ext uri="{FF2B5EF4-FFF2-40B4-BE49-F238E27FC236}">
-                <a16:creationId xmlns:a16="http://schemas.microsoft.com/office/drawing/2014/main" id="{B6DD725B-8657-770D-AC7F-E51368B0998C}"/>
+                <a16:creationId xmlns:a16="http://schemas.microsoft.com/office/drawing/2014/main" id="{ECC2B619-AD99-8BDA-BB24-0F218B4702AF}"/>
               </a:ext>
             </a:extLst>
           </p:cNvPr>
@@ -990,7 +990,7 @@
           <p:cNvPr id="3" name="文本占位符 2">
             <a:extLst>
               <a:ext uri="{FF2B5EF4-FFF2-40B4-BE49-F238E27FC236}">
-                <a16:creationId xmlns:a16="http://schemas.microsoft.com/office/drawing/2014/main" id="{C25359AC-3433-37B4-268B-757F2B9D19AC}"/>
+                <a16:creationId xmlns:a16="http://schemas.microsoft.com/office/drawing/2014/main" id="{4B78C284-01FF-0055-D159-50126595F3C8}"/>
               </a:ext>
             </a:extLst>
           </p:cNvPr>
@@ -1115,7 +1115,7 @@
           <p:cNvPr id="4" name="日期占位符 3">
             <a:extLst>
               <a:ext uri="{FF2B5EF4-FFF2-40B4-BE49-F238E27FC236}">
-                <a16:creationId xmlns:a16="http://schemas.microsoft.com/office/drawing/2014/main" id="{FC5AE16F-8A8E-9ABD-A49C-419B2C891CF8}"/>
+                <a16:creationId xmlns:a16="http://schemas.microsoft.com/office/drawing/2014/main" id="{2AD5318E-BC13-EEC6-8484-E8F5387AC48A}"/>
               </a:ext>
             </a:extLst>
           </p:cNvPr>
@@ -1131,7 +1131,7 @@
           <a:bodyPr/>
           <a:lstStyle/>
           <a:p>
-            <a:fld id="{4F7C34DF-A2DE-424E-B9AE-DB6AE4D467FA}" type="datetimeFigureOut">
+            <a:fld id="{72110433-8B89-4A40-99F1-A438605991A8}" type="datetimeFigureOut">
               <a:rPr lang="zh-CN" altLang="en-US" smtClean="0"/>
               <a:t>2024/3/10</a:t>
             </a:fld>
@@ -1144,7 +1144,7 @@
           <p:cNvPr id="5" name="页脚占位符 4">
             <a:extLst>
               <a:ext uri="{FF2B5EF4-FFF2-40B4-BE49-F238E27FC236}">
-                <a16:creationId xmlns:a16="http://schemas.microsoft.com/office/drawing/2014/main" id="{C71B33E3-91D5-5BCB-7A61-A46D93E78AD7}"/>
+                <a16:creationId xmlns:a16="http://schemas.microsoft.com/office/drawing/2014/main" id="{007E16ED-9403-BD6C-F8BE-C5E89B6094FA}"/>
               </a:ext>
             </a:extLst>
           </p:cNvPr>
@@ -1169,7 +1169,7 @@
           <p:cNvPr id="6" name="灯片编号占位符 5">
             <a:extLst>
               <a:ext uri="{FF2B5EF4-FFF2-40B4-BE49-F238E27FC236}">
-                <a16:creationId xmlns:a16="http://schemas.microsoft.com/office/drawing/2014/main" id="{9B6BB981-F58D-6558-A9AB-608C599D40D5}"/>
+                <a16:creationId xmlns:a16="http://schemas.microsoft.com/office/drawing/2014/main" id="{81128920-724D-41E0-D884-34B58502AC66}"/>
               </a:ext>
             </a:extLst>
           </p:cNvPr>
@@ -1185,7 +1185,7 @@
           <a:bodyPr/>
           <a:lstStyle/>
           <a:p>
-            <a:fld id="{F0F4B18F-9147-46B9-9AD4-D0D2A5EE284A}" type="slidenum">
+            <a:fld id="{0E3C98DC-A7AF-41B1-93F4-264F3C4D790B}" type="slidenum">
               <a:rPr lang="zh-CN" altLang="en-US" smtClean="0"/>
               <a:t>‹#›</a:t>
             </a:fld>
@@ -1196,7 +1196,7 @@
     </p:spTree>
     <p:extLst>
       <p:ext uri="{BB962C8B-B14F-4D97-AF65-F5344CB8AC3E}">
-        <p14:creationId xmlns:p14="http://schemas.microsoft.com/office/powerpoint/2010/main" val="1242083086"/>
+        <p14:creationId xmlns:p14="http://schemas.microsoft.com/office/powerpoint/2010/main" val="2980490641"/>
       </p:ext>
     </p:extLst>
   </p:cSld>
@@ -1228,7 +1228,7 @@
           <p:cNvPr id="2" name="标题 1">
             <a:extLst>
               <a:ext uri="{FF2B5EF4-FFF2-40B4-BE49-F238E27FC236}">
-                <a16:creationId xmlns:a16="http://schemas.microsoft.com/office/drawing/2014/main" id="{83BD5DFE-0B1F-EDCC-593F-473A61BB7957}"/>
+                <a16:creationId xmlns:a16="http://schemas.microsoft.com/office/drawing/2014/main" id="{438974D6-B6A1-D623-11CB-6A1ACEE083D4}"/>
               </a:ext>
             </a:extLst>
           </p:cNvPr>
@@ -1256,7 +1256,7 @@
           <p:cNvPr id="3" name="内容占位符 2">
             <a:extLst>
               <a:ext uri="{FF2B5EF4-FFF2-40B4-BE49-F238E27FC236}">
-                <a16:creationId xmlns:a16="http://schemas.microsoft.com/office/drawing/2014/main" id="{297642E9-E717-8AFC-3F58-612350C1B729}"/>
+                <a16:creationId xmlns:a16="http://schemas.microsoft.com/office/drawing/2014/main" id="{E5D2EEBA-6795-5803-DD21-BF6EE07FAC6D}"/>
               </a:ext>
             </a:extLst>
           </p:cNvPr>
@@ -1318,7 +1318,7 @@
           <p:cNvPr id="4" name="内容占位符 3">
             <a:extLst>
               <a:ext uri="{FF2B5EF4-FFF2-40B4-BE49-F238E27FC236}">
-                <a16:creationId xmlns:a16="http://schemas.microsoft.com/office/drawing/2014/main" id="{19971DBC-C6E9-9FE1-5A13-CF0EA4C04C67}"/>
+                <a16:creationId xmlns:a16="http://schemas.microsoft.com/office/drawing/2014/main" id="{C4997386-B4E8-4B44-2B3F-3291D0B80B65}"/>
               </a:ext>
             </a:extLst>
           </p:cNvPr>
@@ -1380,7 +1380,7 @@
           <p:cNvPr id="5" name="日期占位符 4">
             <a:extLst>
               <a:ext uri="{FF2B5EF4-FFF2-40B4-BE49-F238E27FC236}">
-                <a16:creationId xmlns:a16="http://schemas.microsoft.com/office/drawing/2014/main" id="{0B91114D-ED15-1594-925C-D323BBB914A9}"/>
+                <a16:creationId xmlns:a16="http://schemas.microsoft.com/office/drawing/2014/main" id="{79434C1F-26A0-C3F7-FB8E-BC5D9A1DDD84}"/>
               </a:ext>
             </a:extLst>
           </p:cNvPr>
@@ -1396,7 +1396,7 @@
           <a:bodyPr/>
           <a:lstStyle/>
           <a:p>
-            <a:fld id="{4F7C34DF-A2DE-424E-B9AE-DB6AE4D467FA}" type="datetimeFigureOut">
+            <a:fld id="{72110433-8B89-4A40-99F1-A438605991A8}" type="datetimeFigureOut">
               <a:rPr lang="zh-CN" altLang="en-US" smtClean="0"/>
               <a:t>2024/3/10</a:t>
             </a:fld>
@@ -1409,7 +1409,7 @@
           <p:cNvPr id="6" name="页脚占位符 5">
             <a:extLst>
               <a:ext uri="{FF2B5EF4-FFF2-40B4-BE49-F238E27FC236}">
-                <a16:creationId xmlns:a16="http://schemas.microsoft.com/office/drawing/2014/main" id="{8AE9201D-E7F8-6746-3B8B-1D31EDED969B}"/>
+                <a16:creationId xmlns:a16="http://schemas.microsoft.com/office/drawing/2014/main" id="{42E42808-71AB-1CB6-E9C9-7B1F1AF05185}"/>
               </a:ext>
             </a:extLst>
           </p:cNvPr>
@@ -1434,7 +1434,7 @@
           <p:cNvPr id="7" name="灯片编号占位符 6">
             <a:extLst>
               <a:ext uri="{FF2B5EF4-FFF2-40B4-BE49-F238E27FC236}">
-                <a16:creationId xmlns:a16="http://schemas.microsoft.com/office/drawing/2014/main" id="{B94A821A-D55E-4DFF-0247-E0564387007D}"/>
+                <a16:creationId xmlns:a16="http://schemas.microsoft.com/office/drawing/2014/main" id="{A9D1A195-EBD8-228D-1094-4B7189349C42}"/>
               </a:ext>
             </a:extLst>
           </p:cNvPr>
@@ -1450,7 +1450,7 @@
           <a:bodyPr/>
           <a:lstStyle/>
           <a:p>
-            <a:fld id="{F0F4B18F-9147-46B9-9AD4-D0D2A5EE284A}" type="slidenum">
+            <a:fld id="{0E3C98DC-A7AF-41B1-93F4-264F3C4D790B}" type="slidenum">
               <a:rPr lang="zh-CN" altLang="en-US" smtClean="0"/>
               <a:t>‹#›</a:t>
             </a:fld>
@@ -1461,7 +1461,7 @@
     </p:spTree>
     <p:extLst>
       <p:ext uri="{BB962C8B-B14F-4D97-AF65-F5344CB8AC3E}">
-        <p14:creationId xmlns:p14="http://schemas.microsoft.com/office/powerpoint/2010/main" val="19001915"/>
+        <p14:creationId xmlns:p14="http://schemas.microsoft.com/office/powerpoint/2010/main" val="527918458"/>
       </p:ext>
     </p:extLst>
   </p:cSld>
@@ -1493,7 +1493,7 @@
           <p:cNvPr id="2" name="标题 1">
             <a:extLst>
               <a:ext uri="{FF2B5EF4-FFF2-40B4-BE49-F238E27FC236}">
-                <a16:creationId xmlns:a16="http://schemas.microsoft.com/office/drawing/2014/main" id="{464ED34A-9E54-9503-E08F-F22A6079DBA2}"/>
+                <a16:creationId xmlns:a16="http://schemas.microsoft.com/office/drawing/2014/main" id="{65262A85-DDD7-9654-2CD8-D36FEB307CD8}"/>
               </a:ext>
             </a:extLst>
           </p:cNvPr>
@@ -1526,7 +1526,7 @@
           <p:cNvPr id="3" name="文本占位符 2">
             <a:extLst>
               <a:ext uri="{FF2B5EF4-FFF2-40B4-BE49-F238E27FC236}">
-                <a16:creationId xmlns:a16="http://schemas.microsoft.com/office/drawing/2014/main" id="{EE2CB7E4-BB39-7A3B-8ABA-F419C65193DA}"/>
+                <a16:creationId xmlns:a16="http://schemas.microsoft.com/office/drawing/2014/main" id="{4DC85D26-F5B4-2843-743C-24A8BC35E9DB}"/>
               </a:ext>
             </a:extLst>
           </p:cNvPr>
@@ -1597,7 +1597,7 @@
           <p:cNvPr id="4" name="内容占位符 3">
             <a:extLst>
               <a:ext uri="{FF2B5EF4-FFF2-40B4-BE49-F238E27FC236}">
-                <a16:creationId xmlns:a16="http://schemas.microsoft.com/office/drawing/2014/main" id="{73D333A7-8C74-7D4E-B027-AB0A16069D83}"/>
+                <a16:creationId xmlns:a16="http://schemas.microsoft.com/office/drawing/2014/main" id="{4623F3E9-B3F4-9EAC-7917-B5D95E6AB8FB}"/>
               </a:ext>
             </a:extLst>
           </p:cNvPr>
@@ -1659,7 +1659,7 @@
           <p:cNvPr id="5" name="文本占位符 4">
             <a:extLst>
               <a:ext uri="{FF2B5EF4-FFF2-40B4-BE49-F238E27FC236}">
-                <a16:creationId xmlns:a16="http://schemas.microsoft.com/office/drawing/2014/main" id="{8B23895E-730A-1893-D3B4-D732AB015FBC}"/>
+                <a16:creationId xmlns:a16="http://schemas.microsoft.com/office/drawing/2014/main" id="{DEEFD445-B61C-388C-D07F-47CB29B86A5A}"/>
               </a:ext>
             </a:extLst>
           </p:cNvPr>
@@ -1730,7 +1730,7 @@
           <p:cNvPr id="6" name="内容占位符 5">
             <a:extLst>
               <a:ext uri="{FF2B5EF4-FFF2-40B4-BE49-F238E27FC236}">
-                <a16:creationId xmlns:a16="http://schemas.microsoft.com/office/drawing/2014/main" id="{21414FB7-89B3-D3C8-C009-6F6361FD2A48}"/>
+                <a16:creationId xmlns:a16="http://schemas.microsoft.com/office/drawing/2014/main" id="{92493DCA-FCE2-E921-3C24-71512E29D047}"/>
               </a:ext>
             </a:extLst>
           </p:cNvPr>
@@ -1792,7 +1792,7 @@
           <p:cNvPr id="7" name="日期占位符 6">
             <a:extLst>
               <a:ext uri="{FF2B5EF4-FFF2-40B4-BE49-F238E27FC236}">
-                <a16:creationId xmlns:a16="http://schemas.microsoft.com/office/drawing/2014/main" id="{2C1B9C13-8830-71DA-D8AA-DEFF7113D913}"/>
+                <a16:creationId xmlns:a16="http://schemas.microsoft.com/office/drawing/2014/main" id="{EEBE486C-ADF4-4455-A9E0-C4D5680471D3}"/>
               </a:ext>
             </a:extLst>
           </p:cNvPr>
@@ -1808,7 +1808,7 @@
           <a:bodyPr/>
           <a:lstStyle/>
           <a:p>
-            <a:fld id="{4F7C34DF-A2DE-424E-B9AE-DB6AE4D467FA}" type="datetimeFigureOut">
+            <a:fld id="{72110433-8B89-4A40-99F1-A438605991A8}" type="datetimeFigureOut">
               <a:rPr lang="zh-CN" altLang="en-US" smtClean="0"/>
               <a:t>2024/3/10</a:t>
             </a:fld>
@@ -1821,7 +1821,7 @@
           <p:cNvPr id="8" name="页脚占位符 7">
             <a:extLst>
               <a:ext uri="{FF2B5EF4-FFF2-40B4-BE49-F238E27FC236}">
-                <a16:creationId xmlns:a16="http://schemas.microsoft.com/office/drawing/2014/main" id="{0F7D0125-DD71-8B4D-67CF-72FFE82F8BE7}"/>
+                <a16:creationId xmlns:a16="http://schemas.microsoft.com/office/drawing/2014/main" id="{BD3EA435-602B-4F5C-E53A-FAEE5C8CF97A}"/>
               </a:ext>
             </a:extLst>
           </p:cNvPr>
@@ -1846,7 +1846,7 @@
           <p:cNvPr id="9" name="灯片编号占位符 8">
             <a:extLst>
               <a:ext uri="{FF2B5EF4-FFF2-40B4-BE49-F238E27FC236}">
-                <a16:creationId xmlns:a16="http://schemas.microsoft.com/office/drawing/2014/main" id="{DD337718-1CA8-4F21-C782-CE5D6DE1B3B2}"/>
+                <a16:creationId xmlns:a16="http://schemas.microsoft.com/office/drawing/2014/main" id="{AC38D887-BF00-4053-A71F-437071E2E6DF}"/>
               </a:ext>
             </a:extLst>
           </p:cNvPr>
@@ -1862,7 +1862,7 @@
           <a:bodyPr/>
           <a:lstStyle/>
           <a:p>
-            <a:fld id="{F0F4B18F-9147-46B9-9AD4-D0D2A5EE284A}" type="slidenum">
+            <a:fld id="{0E3C98DC-A7AF-41B1-93F4-264F3C4D790B}" type="slidenum">
               <a:rPr lang="zh-CN" altLang="en-US" smtClean="0"/>
               <a:t>‹#›</a:t>
             </a:fld>
@@ -1873,7 +1873,7 @@
     </p:spTree>
     <p:extLst>
       <p:ext uri="{BB962C8B-B14F-4D97-AF65-F5344CB8AC3E}">
-        <p14:creationId xmlns:p14="http://schemas.microsoft.com/office/powerpoint/2010/main" val="2822630080"/>
+        <p14:creationId xmlns:p14="http://schemas.microsoft.com/office/powerpoint/2010/main" val="2093371144"/>
       </p:ext>
     </p:extLst>
   </p:cSld>
@@ -1905,7 +1905,7 @@
           <p:cNvPr id="2" name="标题 1">
             <a:extLst>
               <a:ext uri="{FF2B5EF4-FFF2-40B4-BE49-F238E27FC236}">
-                <a16:creationId xmlns:a16="http://schemas.microsoft.com/office/drawing/2014/main" id="{D9B93E54-88AC-1262-B627-617AB8A54E3F}"/>
+                <a16:creationId xmlns:a16="http://schemas.microsoft.com/office/drawing/2014/main" id="{0AA0F29F-DB01-7443-03C0-AE4D3338AD02}"/>
               </a:ext>
             </a:extLst>
           </p:cNvPr>
@@ -1933,7 +1933,7 @@
           <p:cNvPr id="3" name="日期占位符 2">
             <a:extLst>
               <a:ext uri="{FF2B5EF4-FFF2-40B4-BE49-F238E27FC236}">
-                <a16:creationId xmlns:a16="http://schemas.microsoft.com/office/drawing/2014/main" id="{015CA052-0637-D695-08DF-F976DA643278}"/>
+                <a16:creationId xmlns:a16="http://schemas.microsoft.com/office/drawing/2014/main" id="{1FABD07A-E87E-1AB4-8EC7-CF164C07ADCB}"/>
               </a:ext>
             </a:extLst>
           </p:cNvPr>
@@ -1949,7 +1949,7 @@
           <a:bodyPr/>
           <a:lstStyle/>
           <a:p>
-            <a:fld id="{4F7C34DF-A2DE-424E-B9AE-DB6AE4D467FA}" type="datetimeFigureOut">
+            <a:fld id="{72110433-8B89-4A40-99F1-A438605991A8}" type="datetimeFigureOut">
               <a:rPr lang="zh-CN" altLang="en-US" smtClean="0"/>
               <a:t>2024/3/10</a:t>
             </a:fld>
@@ -1962,7 +1962,7 @@
           <p:cNvPr id="4" name="页脚占位符 3">
             <a:extLst>
               <a:ext uri="{FF2B5EF4-FFF2-40B4-BE49-F238E27FC236}">
-                <a16:creationId xmlns:a16="http://schemas.microsoft.com/office/drawing/2014/main" id="{50248E7E-C202-0603-0EEB-0A18847B5007}"/>
+                <a16:creationId xmlns:a16="http://schemas.microsoft.com/office/drawing/2014/main" id="{EC9C4EED-6A81-4453-5A45-262C74FCF0C0}"/>
               </a:ext>
             </a:extLst>
           </p:cNvPr>
@@ -1987,7 +1987,7 @@
           <p:cNvPr id="5" name="灯片编号占位符 4">
             <a:extLst>
               <a:ext uri="{FF2B5EF4-FFF2-40B4-BE49-F238E27FC236}">
-                <a16:creationId xmlns:a16="http://schemas.microsoft.com/office/drawing/2014/main" id="{271B0237-76BA-312C-5319-89318686C32C}"/>
+                <a16:creationId xmlns:a16="http://schemas.microsoft.com/office/drawing/2014/main" id="{AEB6765A-0E4A-E1BA-5B32-F4FF03F04C38}"/>
               </a:ext>
             </a:extLst>
           </p:cNvPr>
@@ -2003,7 +2003,7 @@
           <a:bodyPr/>
           <a:lstStyle/>
           <a:p>
-            <a:fld id="{F0F4B18F-9147-46B9-9AD4-D0D2A5EE284A}" type="slidenum">
+            <a:fld id="{0E3C98DC-A7AF-41B1-93F4-264F3C4D790B}" type="slidenum">
               <a:rPr lang="zh-CN" altLang="en-US" smtClean="0"/>
               <a:t>‹#›</a:t>
             </a:fld>
@@ -2014,7 +2014,7 @@
     </p:spTree>
     <p:extLst>
       <p:ext uri="{BB962C8B-B14F-4D97-AF65-F5344CB8AC3E}">
-        <p14:creationId xmlns:p14="http://schemas.microsoft.com/office/powerpoint/2010/main" val="4223531790"/>
+        <p14:creationId xmlns:p14="http://schemas.microsoft.com/office/powerpoint/2010/main" val="346666371"/>
       </p:ext>
     </p:extLst>
   </p:cSld>
@@ -2046,7 +2046,7 @@
           <p:cNvPr id="2" name="日期占位符 1">
             <a:extLst>
               <a:ext uri="{FF2B5EF4-FFF2-40B4-BE49-F238E27FC236}">
-                <a16:creationId xmlns:a16="http://schemas.microsoft.com/office/drawing/2014/main" id="{DA4682E1-00C0-F8C1-A991-84168DC5ACAE}"/>
+                <a16:creationId xmlns:a16="http://schemas.microsoft.com/office/drawing/2014/main" id="{04E675B2-6574-1D06-8C75-293B2D1DF749}"/>
               </a:ext>
             </a:extLst>
           </p:cNvPr>
@@ -2062,7 +2062,7 @@
           <a:bodyPr/>
           <a:lstStyle/>
           <a:p>
-            <a:fld id="{4F7C34DF-A2DE-424E-B9AE-DB6AE4D467FA}" type="datetimeFigureOut">
+            <a:fld id="{72110433-8B89-4A40-99F1-A438605991A8}" type="datetimeFigureOut">
               <a:rPr lang="zh-CN" altLang="en-US" smtClean="0"/>
               <a:t>2024/3/10</a:t>
             </a:fld>
@@ -2075,7 +2075,7 @@
           <p:cNvPr id="3" name="页脚占位符 2">
             <a:extLst>
               <a:ext uri="{FF2B5EF4-FFF2-40B4-BE49-F238E27FC236}">
-                <a16:creationId xmlns:a16="http://schemas.microsoft.com/office/drawing/2014/main" id="{C02F3A19-4DD0-C3D0-0B85-1093B6560E7B}"/>
+                <a16:creationId xmlns:a16="http://schemas.microsoft.com/office/drawing/2014/main" id="{39242DD0-D0E6-C7BB-61A5-44CBCA56AEEA}"/>
               </a:ext>
             </a:extLst>
           </p:cNvPr>
@@ -2100,7 +2100,7 @@
           <p:cNvPr id="4" name="灯片编号占位符 3">
             <a:extLst>
               <a:ext uri="{FF2B5EF4-FFF2-40B4-BE49-F238E27FC236}">
-                <a16:creationId xmlns:a16="http://schemas.microsoft.com/office/drawing/2014/main" id="{F5087900-FE34-9E90-0E0A-13E822E5910B}"/>
+                <a16:creationId xmlns:a16="http://schemas.microsoft.com/office/drawing/2014/main" id="{AF5235B9-0D32-6A58-9247-E8D053C23CBB}"/>
               </a:ext>
             </a:extLst>
           </p:cNvPr>
@@ -2116,7 +2116,7 @@
           <a:bodyPr/>
           <a:lstStyle/>
           <a:p>
-            <a:fld id="{F0F4B18F-9147-46B9-9AD4-D0D2A5EE284A}" type="slidenum">
+            <a:fld id="{0E3C98DC-A7AF-41B1-93F4-264F3C4D790B}" type="slidenum">
               <a:rPr lang="zh-CN" altLang="en-US" smtClean="0"/>
               <a:t>‹#›</a:t>
             </a:fld>
@@ -2127,7 +2127,7 @@
     </p:spTree>
     <p:extLst>
       <p:ext uri="{BB962C8B-B14F-4D97-AF65-F5344CB8AC3E}">
-        <p14:creationId xmlns:p14="http://schemas.microsoft.com/office/powerpoint/2010/main" val="2942521379"/>
+        <p14:creationId xmlns:p14="http://schemas.microsoft.com/office/powerpoint/2010/main" val="1699626776"/>
       </p:ext>
     </p:extLst>
   </p:cSld>
@@ -2159,7 +2159,7 @@
           <p:cNvPr id="2" name="标题 1">
             <a:extLst>
               <a:ext uri="{FF2B5EF4-FFF2-40B4-BE49-F238E27FC236}">
-                <a16:creationId xmlns:a16="http://schemas.microsoft.com/office/drawing/2014/main" id="{F2B5277F-34AF-FA05-C424-12E327984D56}"/>
+                <a16:creationId xmlns:a16="http://schemas.microsoft.com/office/drawing/2014/main" id="{78653C7B-E8AC-5F42-0C8C-7E821FF75A56}"/>
               </a:ext>
             </a:extLst>
           </p:cNvPr>
@@ -2196,7 +2196,7 @@
           <p:cNvPr id="3" name="内容占位符 2">
             <a:extLst>
               <a:ext uri="{FF2B5EF4-FFF2-40B4-BE49-F238E27FC236}">
-                <a16:creationId xmlns:a16="http://schemas.microsoft.com/office/drawing/2014/main" id="{0DA17BC4-459B-291E-A040-91C705F98E64}"/>
+                <a16:creationId xmlns:a16="http://schemas.microsoft.com/office/drawing/2014/main" id="{A190B0E4-451B-F665-F379-42B66D7553CA}"/>
               </a:ext>
             </a:extLst>
           </p:cNvPr>
@@ -2286,7 +2286,7 @@
           <p:cNvPr id="4" name="文本占位符 3">
             <a:extLst>
               <a:ext uri="{FF2B5EF4-FFF2-40B4-BE49-F238E27FC236}">
-                <a16:creationId xmlns:a16="http://schemas.microsoft.com/office/drawing/2014/main" id="{1571DBA4-5081-D861-2682-CBDC3D7B6E2A}"/>
+                <a16:creationId xmlns:a16="http://schemas.microsoft.com/office/drawing/2014/main" id="{4ED74BE8-13B5-07DC-9AFA-04AEC88A6401}"/>
               </a:ext>
             </a:extLst>
           </p:cNvPr>
@@ -2357,7 +2357,7 @@
           <p:cNvPr id="5" name="日期占位符 4">
             <a:extLst>
               <a:ext uri="{FF2B5EF4-FFF2-40B4-BE49-F238E27FC236}">
-                <a16:creationId xmlns:a16="http://schemas.microsoft.com/office/drawing/2014/main" id="{DDF1EF42-6C46-F382-9431-CFBFD8D9E31E}"/>
+                <a16:creationId xmlns:a16="http://schemas.microsoft.com/office/drawing/2014/main" id="{CF40112B-BBF9-CCE2-E530-7A65E7754EF2}"/>
               </a:ext>
             </a:extLst>
           </p:cNvPr>
@@ -2373,7 +2373,7 @@
           <a:bodyPr/>
           <a:lstStyle/>
           <a:p>
-            <a:fld id="{4F7C34DF-A2DE-424E-B9AE-DB6AE4D467FA}" type="datetimeFigureOut">
+            <a:fld id="{72110433-8B89-4A40-99F1-A438605991A8}" type="datetimeFigureOut">
               <a:rPr lang="zh-CN" altLang="en-US" smtClean="0"/>
               <a:t>2024/3/10</a:t>
             </a:fld>
@@ -2386,7 +2386,7 @@
           <p:cNvPr id="6" name="页脚占位符 5">
             <a:extLst>
               <a:ext uri="{FF2B5EF4-FFF2-40B4-BE49-F238E27FC236}">
-                <a16:creationId xmlns:a16="http://schemas.microsoft.com/office/drawing/2014/main" id="{181CBC4D-92D5-2A1C-0DEC-9DC4E78666F1}"/>
+                <a16:creationId xmlns:a16="http://schemas.microsoft.com/office/drawing/2014/main" id="{0F41A0B3-677F-30FC-64C7-ED3241F81CE6}"/>
               </a:ext>
             </a:extLst>
           </p:cNvPr>
@@ -2411,7 +2411,7 @@
           <p:cNvPr id="7" name="灯片编号占位符 6">
             <a:extLst>
               <a:ext uri="{FF2B5EF4-FFF2-40B4-BE49-F238E27FC236}">
-                <a16:creationId xmlns:a16="http://schemas.microsoft.com/office/drawing/2014/main" id="{891B01B4-52C9-5E9D-3637-ADD421342BA1}"/>
+                <a16:creationId xmlns:a16="http://schemas.microsoft.com/office/drawing/2014/main" id="{EC4A42AB-196D-3B3D-B6C4-9BB0FFC35909}"/>
               </a:ext>
             </a:extLst>
           </p:cNvPr>
@@ -2427,7 +2427,7 @@
           <a:bodyPr/>
           <a:lstStyle/>
           <a:p>
-            <a:fld id="{F0F4B18F-9147-46B9-9AD4-D0D2A5EE284A}" type="slidenum">
+            <a:fld id="{0E3C98DC-A7AF-41B1-93F4-264F3C4D790B}" type="slidenum">
               <a:rPr lang="zh-CN" altLang="en-US" smtClean="0"/>
               <a:t>‹#›</a:t>
             </a:fld>
@@ -2438,7 +2438,7 @@
     </p:spTree>
     <p:extLst>
       <p:ext uri="{BB962C8B-B14F-4D97-AF65-F5344CB8AC3E}">
-        <p14:creationId xmlns:p14="http://schemas.microsoft.com/office/powerpoint/2010/main" val="3720356627"/>
+        <p14:creationId xmlns:p14="http://schemas.microsoft.com/office/powerpoint/2010/main" val="4067060293"/>
       </p:ext>
     </p:extLst>
   </p:cSld>
@@ -2470,7 +2470,7 @@
           <p:cNvPr id="2" name="标题 1">
             <a:extLst>
               <a:ext uri="{FF2B5EF4-FFF2-40B4-BE49-F238E27FC236}">
-                <a16:creationId xmlns:a16="http://schemas.microsoft.com/office/drawing/2014/main" id="{ED378A70-45F8-6C41-8B40-2A43A33697C0}"/>
+                <a16:creationId xmlns:a16="http://schemas.microsoft.com/office/drawing/2014/main" id="{F105772F-E22F-75D9-2150-69DD8FB0ADB7}"/>
               </a:ext>
             </a:extLst>
           </p:cNvPr>
@@ -2507,7 +2507,7 @@
           <p:cNvPr id="3" name="图片占位符 2">
             <a:extLst>
               <a:ext uri="{FF2B5EF4-FFF2-40B4-BE49-F238E27FC236}">
-                <a16:creationId xmlns:a16="http://schemas.microsoft.com/office/drawing/2014/main" id="{A23FD305-B906-D19D-A597-1E6642A9731D}"/>
+                <a16:creationId xmlns:a16="http://schemas.microsoft.com/office/drawing/2014/main" id="{83D96900-0B80-6F7E-B8C7-121F4C1EFD1B}"/>
               </a:ext>
             </a:extLst>
           </p:cNvPr>
@@ -2574,7 +2574,7 @@
           <p:cNvPr id="4" name="文本占位符 3">
             <a:extLst>
               <a:ext uri="{FF2B5EF4-FFF2-40B4-BE49-F238E27FC236}">
-                <a16:creationId xmlns:a16="http://schemas.microsoft.com/office/drawing/2014/main" id="{F62D5F2F-8BB1-3E05-6B0F-BA5F8361B3F1}"/>
+                <a16:creationId xmlns:a16="http://schemas.microsoft.com/office/drawing/2014/main" id="{7AA95348-B747-70C7-D030-AE202D2E43A1}"/>
               </a:ext>
             </a:extLst>
           </p:cNvPr>
@@ -2645,7 +2645,7 @@
           <p:cNvPr id="5" name="日期占位符 4">
             <a:extLst>
               <a:ext uri="{FF2B5EF4-FFF2-40B4-BE49-F238E27FC236}">
-                <a16:creationId xmlns:a16="http://schemas.microsoft.com/office/drawing/2014/main" id="{B9C991A7-6AEC-4855-DE68-34149668A297}"/>
+                <a16:creationId xmlns:a16="http://schemas.microsoft.com/office/drawing/2014/main" id="{5517C0A9-0AF5-9448-E217-F96E3A25758F}"/>
               </a:ext>
             </a:extLst>
           </p:cNvPr>
@@ -2661,7 +2661,7 @@
           <a:bodyPr/>
           <a:lstStyle/>
           <a:p>
-            <a:fld id="{4F7C34DF-A2DE-424E-B9AE-DB6AE4D467FA}" type="datetimeFigureOut">
+            <a:fld id="{72110433-8B89-4A40-99F1-A438605991A8}" type="datetimeFigureOut">
               <a:rPr lang="zh-CN" altLang="en-US" smtClean="0"/>
               <a:t>2024/3/10</a:t>
             </a:fld>
@@ -2674,7 +2674,7 @@
           <p:cNvPr id="6" name="页脚占位符 5">
             <a:extLst>
               <a:ext uri="{FF2B5EF4-FFF2-40B4-BE49-F238E27FC236}">
-                <a16:creationId xmlns:a16="http://schemas.microsoft.com/office/drawing/2014/main" id="{5E401D1E-416B-72E6-D219-1497D168CB10}"/>
+                <a16:creationId xmlns:a16="http://schemas.microsoft.com/office/drawing/2014/main" id="{4A451059-F09E-FFD1-FB6B-7F616CFE0216}"/>
               </a:ext>
             </a:extLst>
           </p:cNvPr>
@@ -2699,7 +2699,7 @@
           <p:cNvPr id="7" name="灯片编号占位符 6">
             <a:extLst>
               <a:ext uri="{FF2B5EF4-FFF2-40B4-BE49-F238E27FC236}">
-                <a16:creationId xmlns:a16="http://schemas.microsoft.com/office/drawing/2014/main" id="{621F446A-EC39-91B0-A2B6-4F6F66F15C95}"/>
+                <a16:creationId xmlns:a16="http://schemas.microsoft.com/office/drawing/2014/main" id="{53799244-300F-8A20-A3DB-C6B0BCB29701}"/>
               </a:ext>
             </a:extLst>
           </p:cNvPr>
@@ -2715,7 +2715,7 @@
           <a:bodyPr/>
           <a:lstStyle/>
           <a:p>
-            <a:fld id="{F0F4B18F-9147-46B9-9AD4-D0D2A5EE284A}" type="slidenum">
+            <a:fld id="{0E3C98DC-A7AF-41B1-93F4-264F3C4D790B}" type="slidenum">
               <a:rPr lang="zh-CN" altLang="en-US" smtClean="0"/>
               <a:t>‹#›</a:t>
             </a:fld>
@@ -2726,7 +2726,7 @@
     </p:spTree>
     <p:extLst>
       <p:ext uri="{BB962C8B-B14F-4D97-AF65-F5344CB8AC3E}">
-        <p14:creationId xmlns:p14="http://schemas.microsoft.com/office/powerpoint/2010/main" val="225898015"/>
+        <p14:creationId xmlns:p14="http://schemas.microsoft.com/office/powerpoint/2010/main" val="3215078413"/>
       </p:ext>
     </p:extLst>
   </p:cSld>
@@ -2763,7 +2763,7 @@
           <p:cNvPr id="2" name="标题占位符 1">
             <a:extLst>
               <a:ext uri="{FF2B5EF4-FFF2-40B4-BE49-F238E27FC236}">
-                <a16:creationId xmlns:a16="http://schemas.microsoft.com/office/drawing/2014/main" id="{4266792D-4A34-2C9C-4DC4-76F65ED78962}"/>
+                <a16:creationId xmlns:a16="http://schemas.microsoft.com/office/drawing/2014/main" id="{90B96A3C-E649-963E-49D6-E169AEC32773}"/>
               </a:ext>
             </a:extLst>
           </p:cNvPr>
@@ -2801,7 +2801,7 @@
           <p:cNvPr id="3" name="文本占位符 2">
             <a:extLst>
               <a:ext uri="{FF2B5EF4-FFF2-40B4-BE49-F238E27FC236}">
-                <a16:creationId xmlns:a16="http://schemas.microsoft.com/office/drawing/2014/main" id="{031FEBA7-C7E6-33E5-0FFB-30E9ADBF36C6}"/>
+                <a16:creationId xmlns:a16="http://schemas.microsoft.com/office/drawing/2014/main" id="{EAA0CBC1-3DEA-0523-5747-1AB409A5E68D}"/>
               </a:ext>
             </a:extLst>
           </p:cNvPr>
@@ -2868,7 +2868,7 @@
           <p:cNvPr id="4" name="日期占位符 3">
             <a:extLst>
               <a:ext uri="{FF2B5EF4-FFF2-40B4-BE49-F238E27FC236}">
-                <a16:creationId xmlns:a16="http://schemas.microsoft.com/office/drawing/2014/main" id="{30232433-9065-DF61-A57E-1469A1C103C5}"/>
+                <a16:creationId xmlns:a16="http://schemas.microsoft.com/office/drawing/2014/main" id="{67FABF4B-7D6F-8EB3-6053-465261BB843E}"/>
               </a:ext>
             </a:extLst>
           </p:cNvPr>
@@ -2902,7 +2902,7 @@
             </a:lvl1pPr>
           </a:lstStyle>
           <a:p>
-            <a:fld id="{4F7C34DF-A2DE-424E-B9AE-DB6AE4D467FA}" type="datetimeFigureOut">
+            <a:fld id="{72110433-8B89-4A40-99F1-A438605991A8}" type="datetimeFigureOut">
               <a:rPr lang="zh-CN" altLang="en-US" smtClean="0"/>
               <a:t>2024/3/10</a:t>
             </a:fld>
@@ -2915,7 +2915,7 @@
           <p:cNvPr id="5" name="页脚占位符 4">
             <a:extLst>
               <a:ext uri="{FF2B5EF4-FFF2-40B4-BE49-F238E27FC236}">
-                <a16:creationId xmlns:a16="http://schemas.microsoft.com/office/drawing/2014/main" id="{B0603073-E409-3694-E73B-FCBBF60DB64D}"/>
+                <a16:creationId xmlns:a16="http://schemas.microsoft.com/office/drawing/2014/main" id="{9A6E313C-2DCB-B7DF-F0BB-4BD49460C8A6}"/>
               </a:ext>
             </a:extLst>
           </p:cNvPr>
@@ -2958,7 +2958,7 @@
           <p:cNvPr id="6" name="灯片编号占位符 5">
             <a:extLst>
               <a:ext uri="{FF2B5EF4-FFF2-40B4-BE49-F238E27FC236}">
-                <a16:creationId xmlns:a16="http://schemas.microsoft.com/office/drawing/2014/main" id="{1A85CE2E-2208-E2DD-EAFA-0DE1446F2462}"/>
+                <a16:creationId xmlns:a16="http://schemas.microsoft.com/office/drawing/2014/main" id="{D9A9E79E-931F-32AD-24A0-50A3487DA117}"/>
               </a:ext>
             </a:extLst>
           </p:cNvPr>
@@ -2992,7 +2992,7 @@
             </a:lvl1pPr>
           </a:lstStyle>
           <a:p>
-            <a:fld id="{F0F4B18F-9147-46B9-9AD4-D0D2A5EE284A}" type="slidenum">
+            <a:fld id="{0E3C98DC-A7AF-41B1-93F4-264F3C4D790B}" type="slidenum">
               <a:rPr lang="zh-CN" altLang="en-US" smtClean="0"/>
               <a:t>‹#›</a:t>
             </a:fld>
@@ -3003,7 +3003,7 @@
     </p:spTree>
     <p:extLst>
       <p:ext uri="{BB962C8B-B14F-4D97-AF65-F5344CB8AC3E}">
-        <p14:creationId xmlns:p14="http://schemas.microsoft.com/office/powerpoint/2010/main" val="1529465565"/>
+        <p14:creationId xmlns:p14="http://schemas.microsoft.com/office/powerpoint/2010/main" val="3829178465"/>
       </p:ext>
     </p:extLst>
   </p:cSld>
